--- a/pres.pptx
+++ b/pres.pptx
@@ -5,11 +5,14 @@
     <p:sldMasterId id="2147483648" r:id="rId1"/>
   </p:sldMasterIdLst>
   <p:sldIdLst>
-    <p:sldId id="257" r:id="rId2"/>
-    <p:sldId id="258" r:id="rId3"/>
-    <p:sldId id="259" r:id="rId4"/>
-    <p:sldId id="260" r:id="rId5"/>
-    <p:sldId id="261" r:id="rId6"/>
+    <p:sldId id="262" r:id="rId2"/>
+    <p:sldId id="257" r:id="rId3"/>
+    <p:sldId id="258" r:id="rId4"/>
+    <p:sldId id="259" r:id="rId5"/>
+    <p:sldId id="264" r:id="rId6"/>
+    <p:sldId id="260" r:id="rId7"/>
+    <p:sldId id="261" r:id="rId8"/>
+    <p:sldId id="263" r:id="rId9"/>
   </p:sldIdLst>
   <p:sldSz cx="12192000" cy="6858000"/>
   <p:notesSz cx="6858000" cy="9144000"/>
@@ -113,14 +116,20 @@
       <p14:sectionLst xmlns:p14="http://schemas.microsoft.com/office/powerpoint/2010/main">
         <p14:section name="Раздел по умолчанию" id="{61D2C880-17BE-492F-BE15-DB21CB584193}">
           <p14:sldIdLst>
+            <p14:sldId id="262"/>
             <p14:sldId id="257"/>
             <p14:sldId id="258"/>
             <p14:sldId id="259"/>
+            <p14:sldId id="264"/>
             <p14:sldId id="260"/>
             <p14:sldId id="261"/>
+            <p14:sldId id="263"/>
           </p14:sldIdLst>
         </p14:section>
       </p14:sectionLst>
+    </p:ext>
+    <p:ext uri="{EFAFB233-063F-42B5-8137-9DF3F51BA10A}">
+      <p15:sldGuideLst xmlns:p15="http://schemas.microsoft.com/office/powerpoint/2012/main"/>
     </p:ext>
   </p:extLst>
 </p:presentation>
@@ -257,7 +266,7 @@
           <a:p>
             <a:fld id="{B8DC4F1A-6537-44AF-BC8A-A2ED970E8185}" type="datetimeFigureOut">
               <a:rPr lang="ru-RU" smtClean="0"/>
-              <a:t>30.04.2019</a:t>
+              <a:t>14.05.2019</a:t>
             </a:fld>
             <a:endParaRPr lang="ru-RU"/>
           </a:p>
@@ -427,7 +436,7 @@
           <a:p>
             <a:fld id="{B8DC4F1A-6537-44AF-BC8A-A2ED970E8185}" type="datetimeFigureOut">
               <a:rPr lang="ru-RU" smtClean="0"/>
-              <a:t>30.04.2019</a:t>
+              <a:t>14.05.2019</a:t>
             </a:fld>
             <a:endParaRPr lang="ru-RU"/>
           </a:p>
@@ -607,7 +616,7 @@
           <a:p>
             <a:fld id="{B8DC4F1A-6537-44AF-BC8A-A2ED970E8185}" type="datetimeFigureOut">
               <a:rPr lang="ru-RU" smtClean="0"/>
-              <a:t>30.04.2019</a:t>
+              <a:t>14.05.2019</a:t>
             </a:fld>
             <a:endParaRPr lang="ru-RU"/>
           </a:p>
@@ -777,7 +786,7 @@
           <a:p>
             <a:fld id="{B8DC4F1A-6537-44AF-BC8A-A2ED970E8185}" type="datetimeFigureOut">
               <a:rPr lang="ru-RU" smtClean="0"/>
-              <a:t>30.04.2019</a:t>
+              <a:t>14.05.2019</a:t>
             </a:fld>
             <a:endParaRPr lang="ru-RU"/>
           </a:p>
@@ -1023,7 +1032,7 @@
           <a:p>
             <a:fld id="{B8DC4F1A-6537-44AF-BC8A-A2ED970E8185}" type="datetimeFigureOut">
               <a:rPr lang="ru-RU" smtClean="0"/>
-              <a:t>30.04.2019</a:t>
+              <a:t>14.05.2019</a:t>
             </a:fld>
             <a:endParaRPr lang="ru-RU"/>
           </a:p>
@@ -1255,7 +1264,7 @@
           <a:p>
             <a:fld id="{B8DC4F1A-6537-44AF-BC8A-A2ED970E8185}" type="datetimeFigureOut">
               <a:rPr lang="ru-RU" smtClean="0"/>
-              <a:t>30.04.2019</a:t>
+              <a:t>14.05.2019</a:t>
             </a:fld>
             <a:endParaRPr lang="ru-RU"/>
           </a:p>
@@ -1622,7 +1631,7 @@
           <a:p>
             <a:fld id="{B8DC4F1A-6537-44AF-BC8A-A2ED970E8185}" type="datetimeFigureOut">
               <a:rPr lang="ru-RU" smtClean="0"/>
-              <a:t>30.04.2019</a:t>
+              <a:t>14.05.2019</a:t>
             </a:fld>
             <a:endParaRPr lang="ru-RU"/>
           </a:p>
@@ -1740,7 +1749,7 @@
           <a:p>
             <a:fld id="{B8DC4F1A-6537-44AF-BC8A-A2ED970E8185}" type="datetimeFigureOut">
               <a:rPr lang="ru-RU" smtClean="0"/>
-              <a:t>30.04.2019</a:t>
+              <a:t>14.05.2019</a:t>
             </a:fld>
             <a:endParaRPr lang="ru-RU"/>
           </a:p>
@@ -1835,7 +1844,7 @@
           <a:p>
             <a:fld id="{B8DC4F1A-6537-44AF-BC8A-A2ED970E8185}" type="datetimeFigureOut">
               <a:rPr lang="ru-RU" smtClean="0"/>
-              <a:t>30.04.2019</a:t>
+              <a:t>14.05.2019</a:t>
             </a:fld>
             <a:endParaRPr lang="ru-RU"/>
           </a:p>
@@ -2112,7 +2121,7 @@
           <a:p>
             <a:fld id="{B8DC4F1A-6537-44AF-BC8A-A2ED970E8185}" type="datetimeFigureOut">
               <a:rPr lang="ru-RU" smtClean="0"/>
-              <a:t>30.04.2019</a:t>
+              <a:t>14.05.2019</a:t>
             </a:fld>
             <a:endParaRPr lang="ru-RU"/>
           </a:p>
@@ -2365,7 +2374,7 @@
           <a:p>
             <a:fld id="{B8DC4F1A-6537-44AF-BC8A-A2ED970E8185}" type="datetimeFigureOut">
               <a:rPr lang="ru-RU" smtClean="0"/>
-              <a:t>30.04.2019</a:t>
+              <a:t>14.05.2019</a:t>
             </a:fld>
             <a:endParaRPr lang="ru-RU"/>
           </a:p>
@@ -2578,7 +2587,7 @@
           <a:p>
             <a:fld id="{B8DC4F1A-6537-44AF-BC8A-A2ED970E8185}" type="datetimeFigureOut">
               <a:rPr lang="ru-RU" smtClean="0"/>
-              <a:t>30.04.2019</a:t>
+              <a:t>14.05.2019</a:t>
             </a:fld>
             <a:endParaRPr lang="ru-RU"/>
           </a:p>
@@ -2985,29 +2994,6 @@
       </p:grpSpPr>
       <p:sp>
         <p:nvSpPr>
-          <p:cNvPr id="2" name="Заголовок 1"/>
-          <p:cNvSpPr>
-            <a:spLocks noGrp="1"/>
-          </p:cNvSpPr>
-          <p:nvPr>
-            <p:ph type="title"/>
-          </p:nvPr>
-        </p:nvSpPr>
-        <p:spPr/>
-        <p:txBody>
-          <a:bodyPr/>
-          <a:lstStyle/>
-          <a:p>
-            <a:r>
-              <a:rPr lang="ru-RU" dirty="0" smtClean="0"/>
-              <a:t>Цели и задачи	</a:t>
-            </a:r>
-            <a:endParaRPr lang="ru-RU" dirty="0"/>
-          </a:p>
-        </p:txBody>
-      </p:sp>
-      <p:sp>
-        <p:nvSpPr>
           <p:cNvPr id="3" name="Объект 2"/>
           <p:cNvSpPr>
             <a:spLocks noGrp="1"/>
@@ -3018,100 +3004,50 @@
         </p:nvSpPr>
         <p:spPr/>
         <p:txBody>
-          <a:bodyPr/>
-          <a:lstStyle/>
-          <a:p>
-            <a:r>
-              <a:rPr lang="ru-RU" dirty="0" smtClean="0"/>
-              <a:t>Создать приложение </a:t>
-            </a:r>
-            <a:r>
-              <a:rPr lang="en-US" dirty="0" smtClean="0"/>
-              <a:t>web-</a:t>
-            </a:r>
-            <a:r>
-              <a:rPr lang="ru-RU" dirty="0" smtClean="0"/>
-              <a:t>чат с помощью </a:t>
-            </a:r>
-            <a:r>
-              <a:rPr lang="ru-RU" dirty="0" err="1" smtClean="0"/>
-              <a:t>фреймворка</a:t>
-            </a:r>
-            <a:r>
-              <a:rPr lang="ru-RU" dirty="0" smtClean="0"/>
-              <a:t> </a:t>
-            </a:r>
-            <a:r>
-              <a:rPr lang="en-US" dirty="0" smtClean="0"/>
-              <a:t>WCF</a:t>
-            </a:r>
-          </a:p>
-          <a:p>
-            <a:r>
-              <a:rPr lang="ru-RU" dirty="0" err="1" smtClean="0"/>
-              <a:t>Программно</a:t>
-            </a:r>
-            <a:r>
-              <a:rPr lang="ru-RU" dirty="0" smtClean="0"/>
-              <a:t> реализовать клиент-серверные отношения</a:t>
-            </a:r>
-          </a:p>
+          <a:bodyPr>
+            <a:normAutofit/>
+          </a:bodyPr>
+          <a:lstStyle/>
           <a:p>
             <a:pPr marL="0" indent="0">
               <a:buNone/>
             </a:pPr>
-            <a:endParaRPr lang="ru-RU" dirty="0"/>
-          </a:p>
-          <a:p>
-            <a:r>
-              <a:rPr lang="ru-RU" dirty="0" smtClean="0"/>
-              <a:t>Научиться проектировать приложения</a:t>
-            </a:r>
-          </a:p>
-          <a:p>
-            <a:r>
-              <a:rPr lang="ru-RU" dirty="0" smtClean="0"/>
-              <a:t>Познакомиться с </a:t>
-            </a:r>
-            <a:r>
-              <a:rPr lang="ru-RU" dirty="0" err="1" smtClean="0"/>
-              <a:t>фреймворком</a:t>
-            </a:r>
-            <a:r>
-              <a:rPr lang="ru-RU" dirty="0" smtClean="0"/>
-              <a:t> </a:t>
-            </a:r>
-            <a:r>
-              <a:rPr lang="en-US" dirty="0" smtClean="0"/>
-              <a:t>WCF</a:t>
-            </a:r>
-            <a:endParaRPr lang="ru-RU" dirty="0" smtClean="0"/>
-          </a:p>
-          <a:p>
-            <a:r>
-              <a:rPr lang="ru-RU" dirty="0" smtClean="0"/>
-              <a:t>Получить опыт </a:t>
-            </a:r>
-            <a:r>
-              <a:rPr lang="ru-RU" dirty="0" err="1" smtClean="0"/>
-              <a:t>разроботки</a:t>
-            </a:r>
-            <a:r>
-              <a:rPr lang="ru-RU" dirty="0" smtClean="0"/>
-              <a:t> на языке </a:t>
-            </a:r>
-            <a:r>
-              <a:rPr lang="en-US" dirty="0" smtClean="0"/>
-              <a:t>C#</a:t>
-            </a:r>
-            <a:endParaRPr lang="ru-RU" dirty="0" smtClean="0"/>
+            <a:r>
+              <a:rPr lang="ru-RU" sz="6600" dirty="0"/>
+              <a:t>Курсовая работа</a:t>
+            </a:r>
+            <a:br>
+              <a:rPr lang="ru-RU" sz="6600" dirty="0"/>
+            </a:br>
+            <a:r>
+              <a:rPr lang="ru-RU" sz="6600" dirty="0"/>
+              <a:t>	по теме:</a:t>
+            </a:r>
+            <a:br>
+              <a:rPr lang="ru-RU" sz="6600" dirty="0"/>
+            </a:br>
+            <a:endParaRPr lang="ru-RU" sz="6600" dirty="0"/>
+          </a:p>
+          <a:p>
+            <a:pPr marL="0" indent="0">
+              <a:buNone/>
+            </a:pPr>
+            <a:r>
+              <a:rPr lang="ru-RU" sz="4400" dirty="0" smtClean="0"/>
+              <a:t>Разработка </a:t>
+            </a:r>
+            <a:r>
+              <a:rPr lang="ru-RU" sz="4400" dirty="0"/>
+              <a:t>сетевого чата с применением службы WCF</a:t>
+            </a:r>
+            <a:endParaRPr lang="ru-RU" sz="9600" dirty="0"/>
           </a:p>
         </p:txBody>
       </p:sp>
     </p:spTree>
     <p:extLst>
       <p:ext uri="{BB962C8B-B14F-4D97-AF65-F5344CB8AC3E}">
-        <p14:creationId xmlns:p14="http://schemas.microsoft.com/office/powerpoint/2010/main" val="1133854423"/>
+        <p14:creationId xmlns:p14="http://schemas.microsoft.com/office/powerpoint/2010/main" val="351389248"/>
       </p:ext>
     </p:extLst>
   </p:cSld>
@@ -3162,6 +3098,172 @@
           <a:p>
             <a:r>
               <a:rPr lang="ru-RU" dirty="0" smtClean="0"/>
+              <a:t>Цели и задачи	</a:t>
+            </a:r>
+            <a:endParaRPr lang="ru-RU" dirty="0"/>
+          </a:p>
+        </p:txBody>
+      </p:sp>
+      <p:sp>
+        <p:nvSpPr>
+          <p:cNvPr id="3" name="Объект 2"/>
+          <p:cNvSpPr>
+            <a:spLocks noGrp="1"/>
+          </p:cNvSpPr>
+          <p:nvPr>
+            <p:ph idx="1"/>
+          </p:nvPr>
+        </p:nvSpPr>
+        <p:spPr/>
+        <p:txBody>
+          <a:bodyPr/>
+          <a:lstStyle/>
+          <a:p>
+            <a:r>
+              <a:rPr lang="ru-RU" dirty="0" smtClean="0"/>
+              <a:t>Создать приложение </a:t>
+            </a:r>
+            <a:r>
+              <a:rPr lang="en-US" dirty="0" smtClean="0"/>
+              <a:t>web-</a:t>
+            </a:r>
+            <a:r>
+              <a:rPr lang="ru-RU" dirty="0" smtClean="0"/>
+              <a:t>чат с помощью </a:t>
+            </a:r>
+            <a:r>
+              <a:rPr lang="ru-RU" dirty="0" err="1" smtClean="0"/>
+              <a:t>фреймворка</a:t>
+            </a:r>
+            <a:r>
+              <a:rPr lang="ru-RU" dirty="0" smtClean="0"/>
+              <a:t> </a:t>
+            </a:r>
+            <a:r>
+              <a:rPr lang="en-US" dirty="0" smtClean="0"/>
+              <a:t>WCF</a:t>
+            </a:r>
+          </a:p>
+          <a:p>
+            <a:r>
+              <a:rPr lang="ru-RU" dirty="0" err="1" smtClean="0"/>
+              <a:t>Програмно</a:t>
+            </a:r>
+            <a:r>
+              <a:rPr lang="ru-RU" dirty="0" smtClean="0"/>
+              <a:t> </a:t>
+            </a:r>
+            <a:r>
+              <a:rPr lang="ru-RU" dirty="0" smtClean="0"/>
+              <a:t>реализовать клиент-серверные отношения</a:t>
+            </a:r>
+          </a:p>
+          <a:p>
+            <a:pPr marL="0" indent="0">
+              <a:buNone/>
+            </a:pPr>
+            <a:endParaRPr lang="ru-RU" dirty="0"/>
+          </a:p>
+          <a:p>
+            <a:r>
+              <a:rPr lang="ru-RU" dirty="0" smtClean="0"/>
+              <a:t>Научиться проектировать приложения</a:t>
+            </a:r>
+          </a:p>
+          <a:p>
+            <a:r>
+              <a:rPr lang="ru-RU" dirty="0" smtClean="0"/>
+              <a:t>Познакомиться с </a:t>
+            </a:r>
+            <a:r>
+              <a:rPr lang="ru-RU" dirty="0" err="1" smtClean="0"/>
+              <a:t>фреймворком</a:t>
+            </a:r>
+            <a:r>
+              <a:rPr lang="ru-RU" dirty="0" smtClean="0"/>
+              <a:t> </a:t>
+            </a:r>
+            <a:r>
+              <a:rPr lang="en-US" dirty="0" smtClean="0"/>
+              <a:t>WCF</a:t>
+            </a:r>
+            <a:endParaRPr lang="ru-RU" dirty="0" smtClean="0"/>
+          </a:p>
+          <a:p>
+            <a:r>
+              <a:rPr lang="ru-RU" dirty="0" smtClean="0"/>
+              <a:t>Получить опыт </a:t>
+            </a:r>
+            <a:r>
+              <a:rPr lang="ru-RU" dirty="0" smtClean="0"/>
+              <a:t>разработки </a:t>
+            </a:r>
+            <a:r>
+              <a:rPr lang="ru-RU" dirty="0" smtClean="0"/>
+              <a:t>на языке </a:t>
+            </a:r>
+            <a:r>
+              <a:rPr lang="en-US" dirty="0" smtClean="0"/>
+              <a:t>C#</a:t>
+            </a:r>
+            <a:endParaRPr lang="ru-RU" dirty="0" smtClean="0"/>
+          </a:p>
+        </p:txBody>
+      </p:sp>
+    </p:spTree>
+    <p:extLst>
+      <p:ext uri="{BB962C8B-B14F-4D97-AF65-F5344CB8AC3E}">
+        <p14:creationId xmlns:p14="http://schemas.microsoft.com/office/powerpoint/2010/main" val="1133854423"/>
+      </p:ext>
+    </p:extLst>
+  </p:cSld>
+  <p:clrMapOvr>
+    <a:masterClrMapping/>
+  </p:clrMapOvr>
+  <p:timing>
+    <p:tnLst>
+      <p:par>
+        <p:cTn id="1" dur="indefinite" restart="never" nodeType="tmRoot"/>
+      </p:par>
+    </p:tnLst>
+  </p:timing>
+</p:sld>
+</file>
+
+<file path=ppt/slides/slide3.xml><?xml version="1.0" encoding="utf-8"?>
+<p:sld xmlns:a="http://schemas.openxmlformats.org/drawingml/2006/main" xmlns:r="http://schemas.openxmlformats.org/officeDocument/2006/relationships" xmlns:p="http://schemas.openxmlformats.org/presentationml/2006/main">
+  <p:cSld>
+    <p:spTree>
+      <p:nvGrpSpPr>
+        <p:cNvPr id="1" name=""/>
+        <p:cNvGrpSpPr/>
+        <p:nvPr/>
+      </p:nvGrpSpPr>
+      <p:grpSpPr>
+        <a:xfrm>
+          <a:off x="0" y="0"/>
+          <a:ext cx="0" cy="0"/>
+          <a:chOff x="0" y="0"/>
+          <a:chExt cx="0" cy="0"/>
+        </a:xfrm>
+      </p:grpSpPr>
+      <p:sp>
+        <p:nvSpPr>
+          <p:cNvPr id="2" name="Заголовок 1"/>
+          <p:cNvSpPr>
+            <a:spLocks noGrp="1"/>
+          </p:cNvSpPr>
+          <p:nvPr>
+            <p:ph type="title"/>
+          </p:nvPr>
+        </p:nvSpPr>
+        <p:spPr/>
+        <p:txBody>
+          <a:bodyPr/>
+          <a:lstStyle/>
+          <a:p>
+            <a:r>
+              <a:rPr lang="ru-RU" dirty="0" smtClean="0"/>
               <a:t>Актуальность проекта	</a:t>
             </a:r>
             <a:endParaRPr lang="ru-RU" dirty="0"/>
@@ -3242,7 +3344,7 @@
             </a:r>
             <a:r>
               <a:rPr lang="ru-RU" dirty="0" smtClean="0"/>
-              <a:t> и языков, для тоже </a:t>
+              <a:t> и языков, для </a:t>
             </a:r>
             <a:r>
               <a:rPr lang="en-US" dirty="0" err="1" smtClean="0"/>
@@ -3253,8 +3355,12 @@
               <a:t> </a:t>
             </a:r>
             <a:r>
+              <a:rPr lang="en-US" dirty="0" smtClean="0"/>
+              <a:t>ASP.net MVC</a:t>
+            </a:r>
+            <a:r>
               <a:rPr lang="ru-RU" dirty="0" smtClean="0"/>
-              <a:t>тоже. </a:t>
+              <a:t>. </a:t>
             </a:r>
             <a:r>
               <a:rPr lang="en-US" dirty="0" err="1" smtClean="0"/>
@@ -3302,7 +3408,7 @@
 </p:sld>
 </file>
 
-<file path=ppt/slides/slide3.xml><?xml version="1.0" encoding="utf-8"?>
+<file path=ppt/slides/slide4.xml><?xml version="1.0" encoding="utf-8"?>
 <p:sld xmlns:a="http://schemas.openxmlformats.org/drawingml/2006/main" xmlns:r="http://schemas.openxmlformats.org/officeDocument/2006/relationships" xmlns:p="http://schemas.openxmlformats.org/presentationml/2006/main">
   <p:cSld>
     <p:spTree>
@@ -3503,7 +3609,133 @@
 </p:sld>
 </file>
 
-<file path=ppt/slides/slide4.xml><?xml version="1.0" encoding="utf-8"?>
+<file path=ppt/slides/slide5.xml><?xml version="1.0" encoding="utf-8"?>
+<p:sld xmlns:a="http://schemas.openxmlformats.org/drawingml/2006/main" xmlns:r="http://schemas.openxmlformats.org/officeDocument/2006/relationships" xmlns:p="http://schemas.openxmlformats.org/presentationml/2006/main">
+  <p:cSld>
+    <p:spTree>
+      <p:nvGrpSpPr>
+        <p:cNvPr id="1" name=""/>
+        <p:cNvGrpSpPr/>
+        <p:nvPr/>
+      </p:nvGrpSpPr>
+      <p:grpSpPr>
+        <a:xfrm>
+          <a:off x="0" y="0"/>
+          <a:ext cx="0" cy="0"/>
+          <a:chOff x="0" y="0"/>
+          <a:chExt cx="0" cy="0"/>
+        </a:xfrm>
+      </p:grpSpPr>
+      <p:sp>
+        <p:nvSpPr>
+          <p:cNvPr id="2" name="Заголовок 1"/>
+          <p:cNvSpPr>
+            <a:spLocks noGrp="1"/>
+          </p:cNvSpPr>
+          <p:nvPr>
+            <p:ph type="title"/>
+          </p:nvPr>
+        </p:nvSpPr>
+        <p:spPr/>
+        <p:txBody>
+          <a:bodyPr/>
+          <a:lstStyle/>
+          <a:p>
+            <a:endParaRPr lang="ru-RU"/>
+          </a:p>
+        </p:txBody>
+      </p:sp>
+      <p:pic>
+        <p:nvPicPr>
+          <p:cNvPr id="4" name="Объект 3"/>
+          <p:cNvPicPr>
+            <a:picLocks noGrp="1"/>
+          </p:cNvPicPr>
+          <p:nvPr>
+            <p:ph idx="1"/>
+          </p:nvPr>
+        </p:nvPicPr>
+        <p:blipFill>
+          <a:blip r:embed="rId2">
+            <a:extLst>
+              <a:ext uri="{28A0092B-C50C-407E-A947-70E740481C1C}">
+                <a14:useLocalDpi xmlns:a14="http://schemas.microsoft.com/office/drawing/2010/main" val="0"/>
+              </a:ext>
+            </a:extLst>
+          </a:blip>
+          <a:srcRect/>
+          <a:stretch>
+            <a:fillRect/>
+          </a:stretch>
+        </p:blipFill>
+        <p:spPr bwMode="auto">
+          <a:xfrm>
+            <a:off x="838199" y="1782082"/>
+            <a:ext cx="3376749" cy="4618718"/>
+          </a:xfrm>
+          <a:prstGeom prst="rect">
+            <a:avLst/>
+          </a:prstGeom>
+          <a:noFill/>
+          <a:ln>
+            <a:noFill/>
+          </a:ln>
+        </p:spPr>
+      </p:pic>
+      <p:pic>
+        <p:nvPicPr>
+          <p:cNvPr id="5" name="Рисунок 4"/>
+          <p:cNvPicPr/>
+          <p:nvPr/>
+        </p:nvPicPr>
+        <p:blipFill>
+          <a:blip r:embed="rId3">
+            <a:extLst>
+              <a:ext uri="{28A0092B-C50C-407E-A947-70E740481C1C}">
+                <a14:useLocalDpi xmlns:a14="http://schemas.microsoft.com/office/drawing/2010/main" val="0"/>
+              </a:ext>
+            </a:extLst>
+          </a:blip>
+          <a:srcRect/>
+          <a:stretch>
+            <a:fillRect/>
+          </a:stretch>
+        </p:blipFill>
+        <p:spPr bwMode="auto">
+          <a:xfrm>
+            <a:off x="4713287" y="1852023"/>
+            <a:ext cx="5935345" cy="4216400"/>
+          </a:xfrm>
+          <a:prstGeom prst="rect">
+            <a:avLst/>
+          </a:prstGeom>
+          <a:noFill/>
+          <a:ln>
+            <a:noFill/>
+          </a:ln>
+        </p:spPr>
+      </p:pic>
+    </p:spTree>
+    <p:extLst>
+      <p:ext uri="{BB962C8B-B14F-4D97-AF65-F5344CB8AC3E}">
+        <p14:creationId xmlns:p14="http://schemas.microsoft.com/office/powerpoint/2010/main" val="1399830157"/>
+      </p:ext>
+    </p:extLst>
+  </p:cSld>
+  <p:clrMapOvr>
+    <a:masterClrMapping/>
+  </p:clrMapOvr>
+  <p:timing>
+    <p:tnLst>
+      <p:par>
+        <p:cTn id="1" dur="indefinite" restart="never" nodeType="tmRoot"/>
+      </p:par>
+    </p:tnLst>
+  </p:timing>
+</p:sld>
+</file>
+
+<file path=ppt/slides/slide6.xml><?xml version="1.0" encoding="utf-8"?>
 <p:sld xmlns:a="http://schemas.openxmlformats.org/drawingml/2006/main" xmlns:r="http://schemas.openxmlformats.org/officeDocument/2006/relationships" xmlns:p="http://schemas.openxmlformats.org/presentationml/2006/main">
   <p:cSld>
     <p:spTree>
@@ -3604,7 +3836,7 @@
 </p:sld>
 </file>
 
-<file path=ppt/slides/slide5.xml><?xml version="1.0" encoding="utf-8"?>
+<file path=ppt/slides/slide7.xml><?xml version="1.0" encoding="utf-8"?>
 <p:sld xmlns:a="http://schemas.openxmlformats.org/drawingml/2006/main" xmlns:r="http://schemas.openxmlformats.org/officeDocument/2006/relationships" xmlns:p="http://schemas.openxmlformats.org/presentationml/2006/main">
   <p:cSld>
     <p:spTree>
@@ -3636,6 +3868,10 @@
           <a:bodyPr/>
           <a:lstStyle/>
           <a:p>
+            <a:r>
+              <a:rPr lang="ru-RU" dirty="0" smtClean="0"/>
+              <a:t>Функционал программы	</a:t>
+            </a:r>
             <a:endParaRPr lang="ru-RU" dirty="0"/>
           </a:p>
         </p:txBody>
@@ -3655,7 +3891,57 @@
           <a:bodyPr/>
           <a:lstStyle/>
           <a:p>
-            <a:endParaRPr lang="ru-RU"/>
+            <a:pPr marL="0" indent="0">
+              <a:buNone/>
+            </a:pPr>
+            <a:r>
+              <a:rPr lang="ru-RU" dirty="0" smtClean="0"/>
+              <a:t>Клиентское приложение должно обладать максимально простым и  интуитивным интерфейсом. Благо, </a:t>
+            </a:r>
+            <a:r>
+              <a:rPr lang="en-US" dirty="0" smtClean="0"/>
+              <a:t>WPF</a:t>
+            </a:r>
+            <a:r>
+              <a:rPr lang="ru-RU" dirty="0" smtClean="0"/>
+              <a:t>, позволяет создать таковой </a:t>
+            </a:r>
+            <a:r>
+              <a:rPr lang="en-US" dirty="0" smtClean="0"/>
+              <a:t>UI</a:t>
+            </a:r>
+            <a:r>
+              <a:rPr lang="ru-RU" dirty="0"/>
+              <a:t> </a:t>
+            </a:r>
+            <a:r>
+              <a:rPr lang="ru-RU" dirty="0" smtClean="0"/>
+              <a:t>без каких-либо проблем. </a:t>
+            </a:r>
+            <a:endParaRPr lang="ru-RU" dirty="0"/>
+          </a:p>
+          <a:p>
+            <a:pPr marL="0" indent="0">
+              <a:buNone/>
+            </a:pPr>
+            <a:r>
+              <a:rPr lang="ru-RU" dirty="0" smtClean="0"/>
+              <a:t>	Для Клиента существуют кнопка, интерактивные поля ввода сообщения и </a:t>
+            </a:r>
+            <a:r>
+              <a:rPr lang="ru-RU" dirty="0" err="1" smtClean="0"/>
+              <a:t>никнейма</a:t>
+            </a:r>
+            <a:r>
+              <a:rPr lang="ru-RU" dirty="0" smtClean="0"/>
+              <a:t> и поле логов.</a:t>
+            </a:r>
+          </a:p>
+          <a:p>
+            <a:pPr marL="0" indent="0">
+              <a:buNone/>
+            </a:pPr>
+            <a:endParaRPr lang="ru-RU" dirty="0"/>
           </a:p>
         </p:txBody>
       </p:sp>
@@ -3676,6 +3962,118 @@
       </p:par>
     </p:tnLst>
   </p:timing>
+</p:sld>
+</file>
+
+<file path=ppt/slides/slide8.xml><?xml version="1.0" encoding="utf-8"?>
+<p:sld xmlns:a="http://schemas.openxmlformats.org/drawingml/2006/main" xmlns:r="http://schemas.openxmlformats.org/officeDocument/2006/relationships" xmlns:p="http://schemas.openxmlformats.org/presentationml/2006/main">
+  <p:cSld>
+    <p:spTree>
+      <p:nvGrpSpPr>
+        <p:cNvPr id="1" name=""/>
+        <p:cNvGrpSpPr/>
+        <p:nvPr/>
+      </p:nvGrpSpPr>
+      <p:grpSpPr>
+        <a:xfrm>
+          <a:off x="0" y="0"/>
+          <a:ext cx="0" cy="0"/>
+          <a:chOff x="0" y="0"/>
+          <a:chExt cx="0" cy="0"/>
+        </a:xfrm>
+      </p:grpSpPr>
+      <p:sp>
+        <p:nvSpPr>
+          <p:cNvPr id="2" name="Заголовок 1"/>
+          <p:cNvSpPr>
+            <a:spLocks noGrp="1"/>
+          </p:cNvSpPr>
+          <p:nvPr>
+            <p:ph type="title"/>
+          </p:nvPr>
+        </p:nvSpPr>
+        <p:spPr/>
+        <p:txBody>
+          <a:bodyPr/>
+          <a:lstStyle/>
+          <a:p>
+            <a:r>
+              <a:rPr lang="ru-RU" dirty="0" smtClean="0"/>
+              <a:t>Перспективы	</a:t>
+            </a:r>
+            <a:endParaRPr lang="ru-RU" dirty="0"/>
+          </a:p>
+        </p:txBody>
+      </p:sp>
+      <p:sp>
+        <p:nvSpPr>
+          <p:cNvPr id="3" name="Объект 2"/>
+          <p:cNvSpPr>
+            <a:spLocks noGrp="1"/>
+          </p:cNvSpPr>
+          <p:nvPr>
+            <p:ph idx="1"/>
+          </p:nvPr>
+        </p:nvSpPr>
+        <p:spPr/>
+        <p:txBody>
+          <a:bodyPr/>
+          <a:lstStyle/>
+          <a:p>
+            <a:pPr marL="0" indent="0">
+              <a:buNone/>
+            </a:pPr>
+            <a:r>
+              <a:rPr lang="ru-RU" dirty="0" smtClean="0"/>
+              <a:t>Как я уже сказал ранее, </a:t>
+            </a:r>
+            <a:r>
+              <a:rPr lang="en-US" dirty="0" smtClean="0"/>
+              <a:t>WCF</a:t>
+            </a:r>
+            <a:r>
+              <a:rPr lang="ru-RU" dirty="0" smtClean="0"/>
+              <a:t> не столь актуален. Однако все также удобен и прост в обращении. С помощью него несложно разворачивать </a:t>
+            </a:r>
+            <a:r>
+              <a:rPr lang="en-US" dirty="0" smtClean="0"/>
+              <a:t>web </a:t>
+            </a:r>
+            <a:r>
+              <a:rPr lang="ru-RU" dirty="0" smtClean="0"/>
+              <a:t>приложения любых масштабов. </a:t>
+            </a:r>
+          </a:p>
+          <a:p>
+            <a:pPr marL="0" indent="0">
+              <a:buNone/>
+            </a:pPr>
+            <a:r>
+              <a:rPr lang="ru-RU" dirty="0" smtClean="0"/>
+              <a:t>Для моего проекта, конечно, есть множество путей развития как для сетевого чата. Например, реализация передачи файловых сообщений, расширенная регистрация пользователя и переход на протокол </a:t>
+            </a:r>
+            <a:r>
+              <a:rPr lang="en-US" dirty="0" smtClean="0"/>
+              <a:t>http</a:t>
+            </a:r>
+            <a:r>
+              <a:rPr lang="ru-RU" dirty="0" smtClean="0"/>
+              <a:t>.</a:t>
+            </a:r>
+            <a:endParaRPr lang="ru-RU" dirty="0"/>
+          </a:p>
+        </p:txBody>
+      </p:sp>
+    </p:spTree>
+    <p:extLst>
+      <p:ext uri="{BB962C8B-B14F-4D97-AF65-F5344CB8AC3E}">
+        <p14:creationId xmlns:p14="http://schemas.microsoft.com/office/powerpoint/2010/main" val="2547980827"/>
+      </p:ext>
+    </p:extLst>
+  </p:cSld>
+  <p:clrMapOvr>
+    <a:masterClrMapping/>
+  </p:clrMapOvr>
 </p:sld>
 </file>
 
